--- a/業務フロー（改善後）.pptx
+++ b/業務フロー（改善後）.pptx
@@ -104,6 +104,11 @@
       </a:defRPr>
     </a:lvl9pPr>
   </p:defaultTextStyle>
+  <p:extLst>
+    <p:ext uri="{EFAFB233-063F-42B5-8137-9DF3F51BA10A}">
+      <p15:sldGuideLst xmlns:p15="http://schemas.microsoft.com/office/powerpoint/2012/main"/>
+    </p:ext>
+  </p:extLst>
 </p:presentation>
 </file>
 
@@ -238,7 +243,7 @@
           <a:p>
             <a:fld id="{057E97FE-4261-46BF-9157-C9C2F054BF3F}" type="datetimeFigureOut">
               <a:rPr kumimoji="1" lang="ja-JP" altLang="en-US" smtClean="0"/>
-              <a:t>2025/6/17</a:t>
+              <a:t>2025/6/19</a:t>
             </a:fld>
             <a:endParaRPr kumimoji="1" lang="ja-JP" altLang="en-US"/>
           </a:p>
@@ -440,7 +445,7 @@
           <a:p>
             <a:fld id="{057E97FE-4261-46BF-9157-C9C2F054BF3F}" type="datetimeFigureOut">
               <a:rPr kumimoji="1" lang="ja-JP" altLang="en-US" smtClean="0"/>
-              <a:t>2025/6/17</a:t>
+              <a:t>2025/6/19</a:t>
             </a:fld>
             <a:endParaRPr kumimoji="1" lang="ja-JP" altLang="en-US"/>
           </a:p>
@@ -652,7 +657,7 @@
           <a:p>
             <a:fld id="{057E97FE-4261-46BF-9157-C9C2F054BF3F}" type="datetimeFigureOut">
               <a:rPr kumimoji="1" lang="ja-JP" altLang="en-US" smtClean="0"/>
-              <a:t>2025/6/17</a:t>
+              <a:t>2025/6/19</a:t>
             </a:fld>
             <a:endParaRPr kumimoji="1" lang="ja-JP" altLang="en-US"/>
           </a:p>
@@ -854,7 +859,7 @@
           <a:p>
             <a:fld id="{057E97FE-4261-46BF-9157-C9C2F054BF3F}" type="datetimeFigureOut">
               <a:rPr kumimoji="1" lang="ja-JP" altLang="en-US" smtClean="0"/>
-              <a:t>2025/6/17</a:t>
+              <a:t>2025/6/19</a:t>
             </a:fld>
             <a:endParaRPr kumimoji="1" lang="ja-JP" altLang="en-US"/>
           </a:p>
@@ -1100,7 +1105,7 @@
           <a:p>
             <a:fld id="{057E97FE-4261-46BF-9157-C9C2F054BF3F}" type="datetimeFigureOut">
               <a:rPr kumimoji="1" lang="ja-JP" altLang="en-US" smtClean="0"/>
-              <a:t>2025/6/17</a:t>
+              <a:t>2025/6/19</a:t>
             </a:fld>
             <a:endParaRPr kumimoji="1" lang="ja-JP" altLang="en-US"/>
           </a:p>
@@ -1396,7 +1401,7 @@
           <a:p>
             <a:fld id="{057E97FE-4261-46BF-9157-C9C2F054BF3F}" type="datetimeFigureOut">
               <a:rPr kumimoji="1" lang="ja-JP" altLang="en-US" smtClean="0"/>
-              <a:t>2025/6/17</a:t>
+              <a:t>2025/6/19</a:t>
             </a:fld>
             <a:endParaRPr kumimoji="1" lang="ja-JP" altLang="en-US"/>
           </a:p>
@@ -1827,7 +1832,7 @@
           <a:p>
             <a:fld id="{057E97FE-4261-46BF-9157-C9C2F054BF3F}" type="datetimeFigureOut">
               <a:rPr kumimoji="1" lang="ja-JP" altLang="en-US" smtClean="0"/>
-              <a:t>2025/6/17</a:t>
+              <a:t>2025/6/19</a:t>
             </a:fld>
             <a:endParaRPr kumimoji="1" lang="ja-JP" altLang="en-US"/>
           </a:p>
@@ -1945,7 +1950,7 @@
           <a:p>
             <a:fld id="{057E97FE-4261-46BF-9157-C9C2F054BF3F}" type="datetimeFigureOut">
               <a:rPr kumimoji="1" lang="ja-JP" altLang="en-US" smtClean="0"/>
-              <a:t>2025/6/17</a:t>
+              <a:t>2025/6/19</a:t>
             </a:fld>
             <a:endParaRPr kumimoji="1" lang="ja-JP" altLang="en-US"/>
           </a:p>
@@ -2040,7 +2045,7 @@
           <a:p>
             <a:fld id="{057E97FE-4261-46BF-9157-C9C2F054BF3F}" type="datetimeFigureOut">
               <a:rPr kumimoji="1" lang="ja-JP" altLang="en-US" smtClean="0"/>
-              <a:t>2025/6/17</a:t>
+              <a:t>2025/6/19</a:t>
             </a:fld>
             <a:endParaRPr kumimoji="1" lang="ja-JP" altLang="en-US"/>
           </a:p>
@@ -2349,7 +2354,7 @@
           <a:p>
             <a:fld id="{057E97FE-4261-46BF-9157-C9C2F054BF3F}" type="datetimeFigureOut">
               <a:rPr kumimoji="1" lang="ja-JP" altLang="en-US" smtClean="0"/>
-              <a:t>2025/6/17</a:t>
+              <a:t>2025/6/19</a:t>
             </a:fld>
             <a:endParaRPr kumimoji="1" lang="ja-JP" altLang="en-US"/>
           </a:p>
@@ -2606,7 +2611,7 @@
           <a:p>
             <a:fld id="{057E97FE-4261-46BF-9157-C9C2F054BF3F}" type="datetimeFigureOut">
               <a:rPr kumimoji="1" lang="ja-JP" altLang="en-US" smtClean="0"/>
-              <a:t>2025/6/17</a:t>
+              <a:t>2025/6/19</a:t>
             </a:fld>
             <a:endParaRPr kumimoji="1" lang="ja-JP" altLang="en-US"/>
           </a:p>
@@ -2851,7 +2856,7 @@
           <a:p>
             <a:fld id="{057E97FE-4261-46BF-9157-C9C2F054BF3F}" type="datetimeFigureOut">
               <a:rPr kumimoji="1" lang="ja-JP" altLang="en-US" smtClean="0"/>
-              <a:t>2025/6/17</a:t>
+              <a:t>2025/6/19</a:t>
             </a:fld>
             <a:endParaRPr kumimoji="1" lang="ja-JP" altLang="en-US"/>
           </a:p>
@@ -3531,7 +3536,7 @@
         <p:spPr>
           <a:xfrm>
             <a:off x="281214" y="5469561"/>
-            <a:ext cx="3147786" cy="812799"/>
+            <a:ext cx="3147786" cy="1872217"/>
           </a:xfrm>
           <a:prstGeom prst="rect">
             <a:avLst/>
@@ -3558,55 +3563,7 @@
             <a:pPr algn="ctr"/>
             <a:r>
               <a:rPr kumimoji="1" lang="ja-JP" altLang="en-US" dirty="0"/>
-              <a:t>月末に出勤簿の電子データを上長に送信</a:t>
-            </a:r>
-            <a:endParaRPr kumimoji="1" lang="en-US" altLang="ja-JP" dirty="0"/>
-          </a:p>
-        </p:txBody>
-      </p:sp>
-      <p:sp>
-        <p:nvSpPr>
-          <p:cNvPr id="8" name="正方形/長方形 7">
-            <a:extLst>
-              <a:ext uri="{FF2B5EF4-FFF2-40B4-BE49-F238E27FC236}">
-                <a16:creationId xmlns:a16="http://schemas.microsoft.com/office/drawing/2014/main" id="{43578B6C-6517-4C02-EB45-E4DFD0A43B6D}"/>
-              </a:ext>
-            </a:extLst>
-          </p:cNvPr>
-          <p:cNvSpPr/>
-          <p:nvPr/>
-        </p:nvSpPr>
-        <p:spPr>
-          <a:xfrm>
-            <a:off x="281214" y="6549060"/>
-            <a:ext cx="3147786" cy="812799"/>
-          </a:xfrm>
-          <a:prstGeom prst="rect">
-            <a:avLst/>
-          </a:prstGeom>
-        </p:spPr>
-        <p:style>
-          <a:lnRef idx="2">
-            <a:schemeClr val="dk1"/>
-          </a:lnRef>
-          <a:fillRef idx="1">
-            <a:schemeClr val="lt1"/>
-          </a:fillRef>
-          <a:effectRef idx="0">
-            <a:schemeClr val="dk1"/>
-          </a:effectRef>
-          <a:fontRef idx="minor">
-            <a:schemeClr val="dk1"/>
-          </a:fontRef>
-        </p:style>
-        <p:txBody>
-          <a:bodyPr rtlCol="0" anchor="ctr"/>
-          <a:lstStyle/>
-          <a:p>
-            <a:pPr algn="ctr"/>
-            <a:r>
-              <a:rPr kumimoji="1" lang="ja-JP" altLang="en-US" dirty="0"/>
-              <a:t>上長へ承認依頼をメールで自動送信</a:t>
+              <a:t>月末に出勤簿の電子データを上長に送信し、承認依頼をメールで自動送信</a:t>
             </a:r>
             <a:endParaRPr kumimoji="1" lang="en-US" altLang="ja-JP" dirty="0"/>
           </a:p>
@@ -3750,7 +3707,7 @@
             <a:pPr algn="ctr"/>
             <a:r>
               <a:rPr kumimoji="1" lang="ja-JP" altLang="en-US" dirty="0"/>
-              <a:t>給与計算システムへデータ送信</a:t>
+              <a:t>給与計算システムへデータを自動送信</a:t>
             </a:r>
             <a:endParaRPr kumimoji="1" lang="en-US" altLang="ja-JP" dirty="0"/>
           </a:p>
@@ -4128,47 +4085,6 @@
         <p:spPr>
           <a:xfrm flipH="1">
             <a:off x="1792514" y="5191044"/>
-            <a:ext cx="6350" cy="266700"/>
-          </a:xfrm>
-          <a:prstGeom prst="straightConnector1">
-            <a:avLst/>
-          </a:prstGeom>
-          <a:ln>
-            <a:tailEnd type="triangle"/>
-          </a:ln>
-        </p:spPr>
-        <p:style>
-          <a:lnRef idx="2">
-            <a:schemeClr val="dk1"/>
-          </a:lnRef>
-          <a:fillRef idx="0">
-            <a:schemeClr val="dk1"/>
-          </a:fillRef>
-          <a:effectRef idx="1">
-            <a:schemeClr val="dk1"/>
-          </a:effectRef>
-          <a:fontRef idx="minor">
-            <a:schemeClr val="tx1"/>
-          </a:fontRef>
-        </p:style>
-      </p:cxnSp>
-      <p:cxnSp>
-        <p:nvCxnSpPr>
-          <p:cNvPr id="26" name="直線矢印コネクタ 25">
-            <a:extLst>
-              <a:ext uri="{FF2B5EF4-FFF2-40B4-BE49-F238E27FC236}">
-                <a16:creationId xmlns:a16="http://schemas.microsoft.com/office/drawing/2014/main" id="{03A5DDB8-6710-8045-0A5B-76BE195D0011}"/>
-              </a:ext>
-            </a:extLst>
-          </p:cNvPr>
-          <p:cNvCxnSpPr>
-            <a:cxnSpLocks/>
-          </p:cNvCxnSpPr>
-          <p:nvPr/>
-        </p:nvCxnSpPr>
-        <p:spPr>
-          <a:xfrm flipH="1">
-            <a:off x="1810351" y="6279034"/>
             <a:ext cx="6350" cy="266700"/>
           </a:xfrm>
           <a:prstGeom prst="straightConnector1">
@@ -4527,7 +4443,7 @@
         </p:nvSpPr>
         <p:spPr>
           <a:xfrm>
-            <a:off x="1819222" y="5137812"/>
+            <a:off x="2817628" y="4258403"/>
             <a:ext cx="1222744" cy="369332"/>
           </a:xfrm>
           <a:prstGeom prst="rect">
@@ -4562,7 +4478,7 @@
         </p:nvSpPr>
         <p:spPr>
           <a:xfrm>
-            <a:off x="2777135" y="4325013"/>
+            <a:off x="1939967" y="5078427"/>
             <a:ext cx="1222744" cy="369332"/>
           </a:xfrm>
           <a:prstGeom prst="rect">
